--- a/students/y2336/Kokotkin_Ilya/LR1_DFD/laba1.pptx
+++ b/students/y2336/Kokotkin_Ilya/LR1_DFD/laba1.pptx
@@ -279,7 +279,7 @@
       </p15:sldGuideLst>
     </p:ext>
     <p:ext uri="http://customooxmlschemas.google.com/">
-      <go:slidesCustomData xmlns:go="http://customooxmlschemas.google.com/" r:id="rId21" roundtripDataSignature="AMtx7mjCSL43SeWpsvma7K5p3Xs+Xn5noA=="/>
+      <go:slidesCustomData xmlns:go="http://customooxmlschemas.google.com/" r:id="rId21" roundtripDataSignature="AMtx7mh54SDdOwVGQnacLiEsG3ndPQ7k1Q=="/>
     </p:ext>
   </p:extLst>
 </p:presentation>
@@ -9532,37 +9532,9 @@
           </a:ln>
         </p:spPr>
       </p:pic>
-      <p:pic>
-        <p:nvPicPr>
-          <p:cNvPr id="107" name="Google Shape;107;ga19651daac_0_34"/>
-          <p:cNvPicPr preferRelativeResize="0"/>
-          <p:nvPr/>
-        </p:nvPicPr>
-        <p:blipFill>
-          <a:blip r:embed="rId4">
-            <a:alphaModFix/>
-          </a:blip>
-          <a:stretch>
-            <a:fillRect/>
-          </a:stretch>
-        </p:blipFill>
-        <p:spPr>
-          <a:xfrm>
-            <a:off x="945338" y="1734049"/>
-            <a:ext cx="6363821" cy="4373286"/>
-          </a:xfrm>
-          <a:prstGeom prst="rect">
-            <a:avLst/>
-          </a:prstGeom>
-          <a:noFill/>
-          <a:ln>
-            <a:noFill/>
-          </a:ln>
-        </p:spPr>
-      </p:pic>
       <p:sp>
         <p:nvSpPr>
-          <p:cNvPr id="108" name="Google Shape;108;ga19651daac_0_34"/>
+          <p:cNvPr id="107" name="Google Shape;107;ga19651daac_0_34"/>
           <p:cNvSpPr txBox="1"/>
           <p:nvPr>
             <p:ph type="title"/>
@@ -9624,6 +9596,34 @@
           </a:p>
         </p:txBody>
       </p:sp>
+      <p:pic>
+        <p:nvPicPr>
+          <p:cNvPr id="108" name="Google Shape;108;ga19651daac_0_34"/>
+          <p:cNvPicPr preferRelativeResize="0"/>
+          <p:nvPr/>
+        </p:nvPicPr>
+        <p:blipFill>
+          <a:blip r:embed="rId4">
+            <a:alphaModFix/>
+          </a:blip>
+          <a:stretch>
+            <a:fillRect/>
+          </a:stretch>
+        </p:blipFill>
+        <p:spPr>
+          <a:xfrm>
+            <a:off x="908400" y="2053900"/>
+            <a:ext cx="7229858" cy="3988101"/>
+          </a:xfrm>
+          <a:prstGeom prst="rect">
+            <a:avLst/>
+          </a:prstGeom>
+          <a:noFill/>
+          <a:ln>
+            <a:noFill/>
+          </a:ln>
+        </p:spPr>
+      </p:pic>
     </p:spTree>
   </p:cSld>
   <p:clrMapOvr>
